--- a/pages/figs/zinbwave-zingeR.pptx
+++ b/pages/figs/zinbwave-zingeR.pptx
@@ -3122,7 +3122,7 @@
         <p:spPr>
           <a:xfrm>
             <a:off x="72168" y="59380"/>
-            <a:ext cx="9858020" cy="707886"/>
+            <a:ext cx="10090326" cy="707886"/>
           </a:xfrm>
           <a:prstGeom prst="rect">
             <a:avLst/>
@@ -3136,15 +3136,15 @@
           <a:lstStyle/>
           <a:p>
             <a:r>
-              <a:rPr lang="en-US" sz="2000" dirty="0"/>
+              <a:rPr lang="en-US" sz="2000" b="1" dirty="0"/>
               <a:t>Observation weights unlock bulk RNA-</a:t>
             </a:r>
             <a:r>
-              <a:rPr lang="en-US" sz="2000" dirty="0" err="1"/>
+              <a:rPr lang="en-US" sz="2000" b="1" dirty="0" err="1"/>
               <a:t>seq</a:t>
             </a:r>
             <a:r>
-              <a:rPr lang="en-US" sz="2000" dirty="0"/>
+              <a:rPr lang="en-US" sz="2000" b="1" dirty="0"/>
               <a:t> tools for zero inflation and single-cell applications. </a:t>
             </a:r>
           </a:p>

--- a/pages/figs/zinbwave-zingeR.pptx
+++ b/pages/figs/zinbwave-zingeR.pptx
@@ -302,7 +302,7 @@
           <a:p>
             <a:fld id="{3EA3A3A7-1F67-9A4A-B8E5-E029D492957D}" type="datetimeFigureOut">
               <a:rPr lang="en-US" smtClean="0"/>
-              <a:t>6/12/18</a:t>
+              <a:t>6/13/18</a:t>
             </a:fld>
             <a:endParaRPr lang="en-US"/>
           </a:p>
@@ -472,7 +472,7 @@
           <a:p>
             <a:fld id="{3EA3A3A7-1F67-9A4A-B8E5-E029D492957D}" type="datetimeFigureOut">
               <a:rPr lang="en-US" smtClean="0"/>
-              <a:t>6/12/18</a:t>
+              <a:t>6/13/18</a:t>
             </a:fld>
             <a:endParaRPr lang="en-US"/>
           </a:p>
@@ -652,7 +652,7 @@
           <a:p>
             <a:fld id="{3EA3A3A7-1F67-9A4A-B8E5-E029D492957D}" type="datetimeFigureOut">
               <a:rPr lang="en-US" smtClean="0"/>
-              <a:t>6/12/18</a:t>
+              <a:t>6/13/18</a:t>
             </a:fld>
             <a:endParaRPr lang="en-US"/>
           </a:p>
@@ -822,7 +822,7 @@
           <a:p>
             <a:fld id="{3EA3A3A7-1F67-9A4A-B8E5-E029D492957D}" type="datetimeFigureOut">
               <a:rPr lang="en-US" smtClean="0"/>
-              <a:t>6/12/18</a:t>
+              <a:t>6/13/18</a:t>
             </a:fld>
             <a:endParaRPr lang="en-US"/>
           </a:p>
@@ -1068,7 +1068,7 @@
           <a:p>
             <a:fld id="{3EA3A3A7-1F67-9A4A-B8E5-E029D492957D}" type="datetimeFigureOut">
               <a:rPr lang="en-US" smtClean="0"/>
-              <a:t>6/12/18</a:t>
+              <a:t>6/13/18</a:t>
             </a:fld>
             <a:endParaRPr lang="en-US"/>
           </a:p>
@@ -1356,7 +1356,7 @@
           <a:p>
             <a:fld id="{3EA3A3A7-1F67-9A4A-B8E5-E029D492957D}" type="datetimeFigureOut">
               <a:rPr lang="en-US" smtClean="0"/>
-              <a:t>6/12/18</a:t>
+              <a:t>6/13/18</a:t>
             </a:fld>
             <a:endParaRPr lang="en-US"/>
           </a:p>
@@ -1778,7 +1778,7 @@
           <a:p>
             <a:fld id="{3EA3A3A7-1F67-9A4A-B8E5-E029D492957D}" type="datetimeFigureOut">
               <a:rPr lang="en-US" smtClean="0"/>
-              <a:t>6/12/18</a:t>
+              <a:t>6/13/18</a:t>
             </a:fld>
             <a:endParaRPr lang="en-US"/>
           </a:p>
@@ -1896,7 +1896,7 @@
           <a:p>
             <a:fld id="{3EA3A3A7-1F67-9A4A-B8E5-E029D492957D}" type="datetimeFigureOut">
               <a:rPr lang="en-US" smtClean="0"/>
-              <a:t>6/12/18</a:t>
+              <a:t>6/13/18</a:t>
             </a:fld>
             <a:endParaRPr lang="en-US"/>
           </a:p>
@@ -1991,7 +1991,7 @@
           <a:p>
             <a:fld id="{3EA3A3A7-1F67-9A4A-B8E5-E029D492957D}" type="datetimeFigureOut">
               <a:rPr lang="en-US" smtClean="0"/>
-              <a:t>6/12/18</a:t>
+              <a:t>6/13/18</a:t>
             </a:fld>
             <a:endParaRPr lang="en-US"/>
           </a:p>
@@ -2268,7 +2268,7 @@
           <a:p>
             <a:fld id="{3EA3A3A7-1F67-9A4A-B8E5-E029D492957D}" type="datetimeFigureOut">
               <a:rPr lang="en-US" smtClean="0"/>
-              <a:t>6/12/18</a:t>
+              <a:t>6/13/18</a:t>
             </a:fld>
             <a:endParaRPr lang="en-US"/>
           </a:p>
@@ -2521,7 +2521,7 @@
           <a:p>
             <a:fld id="{3EA3A3A7-1F67-9A4A-B8E5-E029D492957D}" type="datetimeFigureOut">
               <a:rPr lang="en-US" smtClean="0"/>
-              <a:t>6/12/18</a:t>
+              <a:t>6/13/18</a:t>
             </a:fld>
             <a:endParaRPr lang="en-US"/>
           </a:p>
@@ -2732,7 +2732,7 @@
           <a:p>
             <a:fld id="{3EA3A3A7-1F67-9A4A-B8E5-E029D492957D}" type="datetimeFigureOut">
               <a:rPr lang="en-US" smtClean="0"/>
-              <a:t>6/12/18</a:t>
+              <a:t>6/13/18</a:t>
             </a:fld>
             <a:endParaRPr lang="en-US"/>
           </a:p>
@@ -3121,8 +3121,8 @@
         </p:nvSpPr>
         <p:spPr>
           <a:xfrm>
-            <a:off x="72168" y="59380"/>
-            <a:ext cx="10090326" cy="707886"/>
+            <a:off x="-1" y="59380"/>
+            <a:ext cx="10799763" cy="707886"/>
           </a:xfrm>
           <a:prstGeom prst="rect">
             <a:avLst/>
@@ -3130,11 +3130,12 @@
           <a:noFill/>
         </p:spPr>
         <p:txBody>
-          <a:bodyPr wrap="none" rtlCol="0">
+          <a:bodyPr wrap="square" rtlCol="0">
             <a:spAutoFit/>
           </a:bodyPr>
           <a:lstStyle/>
           <a:p>
+            <a:pPr algn="ctr"/>
             <a:r>
               <a:rPr lang="en-US" sz="2000" b="1" dirty="0"/>
               <a:t>Observation weights unlock bulk RNA-</a:t>
@@ -3149,6 +3150,7 @@
             </a:r>
           </a:p>
           <a:p>
+            <a:pPr algn="ctr"/>
             <a:r>
               <a:rPr lang="en-US" sz="2000" b="1" dirty="0"/>
               <a:t>Genome Biology  2018 19(1):24</a:t>
